--- a/InterviewStudyMaterial/C#_Interview_Questions_with_answers (1).pptx
+++ b/InterviewStudyMaterial/C#_Interview_Questions_with_answers (1).pptx
@@ -233,7 +233,7 @@
             <a:fld id="{1AEBD285-4063-4662-9920-58E38AA74098}" type="datetimeFigureOut">
               <a:rPr lang="en-US" smtClean="0"/>
               <a:pPr/>
-              <a:t>1/20/2021</a:t>
+              <a:t>2/19/2021</a:t>
             </a:fld>
             <a:endParaRPr lang="en-US" dirty="0"/>
           </a:p>
@@ -2260,7 +2260,7 @@
             <a:fld id="{1C82929E-BE4B-4DE1-B06A-6C42210BDA43}" type="datetime1">
               <a:rPr lang="en-US" smtClean="0"/>
               <a:pPr/>
-              <a:t>1/20/2021</a:t>
+              <a:t>2/19/2021</a:t>
             </a:fld>
             <a:endParaRPr lang="en-US" dirty="0"/>
           </a:p>
@@ -2431,7 +2431,7 @@
             <a:fld id="{2E621F2B-47E6-4D2C-8A5C-00B4E3E14B3A}" type="datetime1">
               <a:rPr lang="en-US" smtClean="0"/>
               <a:pPr/>
-              <a:t>1/20/2021</a:t>
+              <a:t>2/19/2021</a:t>
             </a:fld>
             <a:endParaRPr lang="en-US" dirty="0"/>
           </a:p>
@@ -2636,7 +2636,7 @@
             <a:fld id="{3F8C0FEB-555B-47AC-9E3D-732A7444FA8C}" type="datetime1">
               <a:rPr lang="en-US" smtClean="0"/>
               <a:pPr/>
-              <a:t>1/20/2021</a:t>
+              <a:t>2/19/2021</a:t>
             </a:fld>
             <a:endParaRPr lang="en-US" dirty="0"/>
           </a:p>
@@ -2811,7 +2811,7 @@
             <a:fld id="{B1F98BF0-4CDE-4C24-B6F8-6E5D54BA1BC5}" type="datetime1">
               <a:rPr lang="en-US" smtClean="0"/>
               <a:pPr/>
-              <a:t>1/20/2021</a:t>
+              <a:t>2/19/2021</a:t>
             </a:fld>
             <a:endParaRPr lang="en-US" dirty="0"/>
           </a:p>
@@ -3272,7 +3272,7 @@
             <a:fld id="{44E050D0-CD9F-4EFD-8103-9EA1C3594171}" type="datetime1">
               <a:rPr lang="en-US" smtClean="0"/>
               <a:pPr/>
-              <a:t>1/20/2021</a:t>
+              <a:t>2/19/2021</a:t>
             </a:fld>
             <a:endParaRPr lang="en-US" dirty="0"/>
           </a:p>
@@ -3542,7 +3542,7 @@
             <a:fld id="{96CA57C7-3807-42C5-AC85-B6A0A53B2E07}" type="datetime1">
               <a:rPr lang="en-US" smtClean="0"/>
               <a:pPr/>
-              <a:t>1/20/2021</a:t>
+              <a:t>2/19/2021</a:t>
             </a:fld>
             <a:endParaRPr lang="en-US" dirty="0"/>
           </a:p>
@@ -3922,7 +3922,7 @@
             <a:fld id="{33C0AA3A-2E13-4C25-AA00-B3A17D9F0B30}" type="datetime1">
               <a:rPr lang="en-US" smtClean="0"/>
               <a:pPr/>
-              <a:t>1/20/2021</a:t>
+              <a:t>2/19/2021</a:t>
             </a:fld>
             <a:endParaRPr lang="en-US" dirty="0"/>
           </a:p>
@@ -4050,7 +4050,7 @@
             <a:fld id="{5F3FE495-C02E-4DA2-ACE3-3AD46B27E20C}" type="datetime1">
               <a:rPr lang="en-US" smtClean="0"/>
               <a:pPr/>
-              <a:t>1/20/2021</a:t>
+              <a:t>2/19/2021</a:t>
             </a:fld>
             <a:endParaRPr lang="en-US" dirty="0"/>
           </a:p>
@@ -4146,7 +4146,7 @@
             <a:fld id="{13CD3A1F-BC23-455F-B419-27A3A68FFA5E}" type="datetime1">
               <a:rPr lang="en-US" smtClean="0"/>
               <a:pPr/>
-              <a:t>1/20/2021</a:t>
+              <a:t>2/19/2021</a:t>
             </a:fld>
             <a:endParaRPr lang="en-US" dirty="0"/>
           </a:p>
@@ -4425,7 +4425,7 @@
             <a:fld id="{508E84FF-5EE3-47B0-B2EB-4C3AACB441D5}" type="datetime1">
               <a:rPr lang="en-US" smtClean="0"/>
               <a:pPr/>
-              <a:t>1/20/2021</a:t>
+              <a:t>2/19/2021</a:t>
             </a:fld>
             <a:endParaRPr lang="en-US" dirty="0"/>
           </a:p>
@@ -4690,7 +4690,7 @@
             <a:fld id="{28F9ADED-D427-4BFF-BD35-1D8260539A19}" type="datetime1">
               <a:rPr lang="en-US" smtClean="0"/>
               <a:pPr/>
-              <a:t>1/20/2021</a:t>
+              <a:t>2/19/2021</a:t>
             </a:fld>
             <a:endParaRPr lang="en-US" dirty="0"/>
           </a:p>
@@ -5100,7 +5100,7 @@
             <a:fld id="{461DD318-550D-4235-86F6-CB3DDB6D5906}" type="datetime1">
               <a:rPr lang="en-US" smtClean="0"/>
               <a:pPr/>
-              <a:t>1/20/2021</a:t>
+              <a:t>2/19/2021</a:t>
             </a:fld>
             <a:endParaRPr lang="en-US" dirty="0"/>
           </a:p>
@@ -12646,11 +12646,7 @@
             </a:r>
             <a:r>
               <a:rPr lang="en-US" dirty="0" smtClean="0"/>
-              <a:t> </a:t>
-            </a:r>
-            <a:r>
-              <a:rPr lang="en-US" dirty="0" smtClean="0"/>
-              <a:t>variablename=new classname();</a:t>
+              <a:t> variablename=new classname();</a:t>
             </a:r>
           </a:p>
           <a:p>
@@ -13951,7 +13947,7 @@
         </p:spPr>
         <p:txBody>
           <a:bodyPr>
-            <a:normAutofit fontScale="92500" lnSpcReduction="20000"/>
+            <a:normAutofit fontScale="77500" lnSpcReduction="20000"/>
           </a:bodyPr>
           <a:lstStyle/>
           <a:p>
@@ -13968,6 +13964,32 @@
             <a:r>
               <a:rPr lang="en-US" dirty="0" smtClean="0"/>
               <a:t>Interface can contain only methods without body.</a:t>
+            </a:r>
+          </a:p>
+          <a:p>
+            <a:r>
+              <a:rPr lang="en-US" dirty="0" smtClean="0"/>
+              <a:t>A class can implement from any interfaces.</a:t>
+            </a:r>
+          </a:p>
+          <a:p>
+            <a:r>
+              <a:rPr lang="en-US" dirty="0" smtClean="0"/>
+              <a:t>Interface can </a:t>
+            </a:r>
+            <a:r>
+              <a:rPr lang="en-US" noProof="1" smtClean="0"/>
+              <a:t>inherhit</a:t>
+            </a:r>
+            <a:r>
+              <a:rPr lang="en-US" dirty="0" smtClean="0"/>
+              <a:t> from another interface.</a:t>
+            </a:r>
+          </a:p>
+          <a:p>
+            <a:r>
+              <a:rPr lang="en-US" dirty="0" smtClean="0"/>
+              <a:t>Interface can not support abstract methods and virtual methods.</a:t>
             </a:r>
           </a:p>
           <a:p>
@@ -14486,6 +14508,153 @@
                                           <p:spTgt spid="3">
                                             <p:txEl>
                                               <p:pRg st="7" end="7"/>
+                                            </p:txEl>
+                                          </p:spTgt>
+                                        </p:tgtEl>
+                                        <p:attrNameLst>
+                                          <p:attrName>style.visibility</p:attrName>
+                                        </p:attrNameLst>
+                                      </p:cBhvr>
+                                      <p:to>
+                                        <p:strVal val="visible"/>
+                                      </p:to>
+                                    </p:set>
+                                  </p:childTnLst>
+                                </p:cTn>
+                              </p:par>
+                            </p:childTnLst>
+                          </p:cTn>
+                        </p:par>
+                      </p:childTnLst>
+                    </p:cTn>
+                  </p:par>
+                  <p:par>
+                    <p:cTn id="39" fill="hold">
+                      <p:stCondLst>
+                        <p:cond delay="indefinite"/>
+                      </p:stCondLst>
+                      <p:childTnLst>
+                        <p:par>
+                          <p:cTn id="40" fill="hold">
+                            <p:stCondLst>
+                              <p:cond delay="0"/>
+                            </p:stCondLst>
+                            <p:childTnLst>
+                              <p:par>
+                                <p:cTn id="41" presetID="1" presetClass="entr" presetSubtype="0" fill="hold" grpId="0" nodeType="clickEffect">
+                                  <p:stCondLst>
+                                    <p:cond delay="0"/>
+                                  </p:stCondLst>
+                                  <p:childTnLst>
+                                    <p:set>
+                                      <p:cBhvr>
+                                        <p:cTn id="42" dur="1" fill="hold">
+                                          <p:stCondLst>
+                                            <p:cond delay="0"/>
+                                          </p:stCondLst>
+                                        </p:cTn>
+                                        <p:tgtEl>
+                                          <p:spTgt spid="3">
+                                            <p:txEl>
+                                              <p:pRg st="8" end="8"/>
+                                            </p:txEl>
+                                          </p:spTgt>
+                                        </p:tgtEl>
+                                        <p:attrNameLst>
+                                          <p:attrName>style.visibility</p:attrName>
+                                        </p:attrNameLst>
+                                      </p:cBhvr>
+                                      <p:to>
+                                        <p:strVal val="visible"/>
+                                      </p:to>
+                                    </p:set>
+                                  </p:childTnLst>
+                                </p:cTn>
+                              </p:par>
+                            </p:childTnLst>
+                          </p:cTn>
+                        </p:par>
+                      </p:childTnLst>
+                    </p:cTn>
+                  </p:par>
+                  <p:par>
+                    <p:cTn id="43" fill="hold">
+                      <p:stCondLst>
+                        <p:cond delay="indefinite"/>
+                      </p:stCondLst>
+                      <p:childTnLst>
+                        <p:par>
+                          <p:cTn id="44" fill="hold">
+                            <p:stCondLst>
+                              <p:cond delay="0"/>
+                            </p:stCondLst>
+                            <p:childTnLst>
+                              <p:par>
+                                <p:cTn id="45" presetID="1" presetClass="entr" presetSubtype="0" fill="hold" grpId="0" nodeType="clickEffect">
+                                  <p:stCondLst>
+                                    <p:cond delay="0"/>
+                                  </p:stCondLst>
+                                  <p:childTnLst>
+                                    <p:set>
+                                      <p:cBhvr>
+                                        <p:cTn id="46" dur="1" fill="hold">
+                                          <p:stCondLst>
+                                            <p:cond delay="0"/>
+                                          </p:stCondLst>
+                                        </p:cTn>
+                                        <p:tgtEl>
+                                          <p:spTgt spid="3">
+                                            <p:txEl>
+                                              <p:pRg st="9" end="9"/>
+                                            </p:txEl>
+                                          </p:spTgt>
+                                        </p:tgtEl>
+                                        <p:attrNameLst>
+                                          <p:attrName>style.visibility</p:attrName>
+                                        </p:attrNameLst>
+                                      </p:cBhvr>
+                                      <p:to>
+                                        <p:strVal val="visible"/>
+                                      </p:to>
+                                    </p:set>
+                                  </p:childTnLst>
+                                </p:cTn>
+                              </p:par>
+                            </p:childTnLst>
+                          </p:cTn>
+                        </p:par>
+                      </p:childTnLst>
+                    </p:cTn>
+                  </p:par>
+                  <p:par>
+                    <p:cTn id="47" fill="hold">
+                      <p:stCondLst>
+                        <p:cond delay="indefinite"/>
+                      </p:stCondLst>
+                      <p:childTnLst>
+                        <p:par>
+                          <p:cTn id="48" fill="hold">
+                            <p:stCondLst>
+                              <p:cond delay="0"/>
+                            </p:stCondLst>
+                            <p:childTnLst>
+                              <p:par>
+                                <p:cTn id="49" presetID="1" presetClass="entr" presetSubtype="0" fill="hold" grpId="0" nodeType="clickEffect">
+                                  <p:stCondLst>
+                                    <p:cond delay="0"/>
+                                  </p:stCondLst>
+                                  <p:childTnLst>
+                                    <p:set>
+                                      <p:cBhvr>
+                                        <p:cTn id="50" dur="1" fill="hold">
+                                          <p:stCondLst>
+                                            <p:cond delay="0"/>
+                                          </p:stCondLst>
+                                        </p:cTn>
+                                        <p:tgtEl>
+                                          <p:spTgt spid="3">
+                                            <p:txEl>
+                                              <p:pRg st="10" end="10"/>
                                             </p:txEl>
                                           </p:spTgt>
                                         </p:tgtEl>
@@ -15192,13 +15361,18 @@
           </a:p>
           <a:p>
             <a:r>
-              <a:rPr lang="en-US" sz="3200" dirty="0" smtClean="0"/>
+              <a:rPr lang="en-US" sz="3200" dirty="0" smtClean="0">
+                <a:latin typeface="Arial" pitchFamily="34" charset="0"/>
+                <a:cs typeface="Arial" pitchFamily="34" charset="0"/>
+              </a:rPr>
               <a:t>Properties are useful for reading &amp; modifying data present in private variables</a:t>
             </a:r>
             <a:endParaRPr lang="en-US" dirty="0" smtClean="0">
               <a:solidFill>
                 <a:srgbClr val="FFC000"/>
               </a:solidFill>
+              <a:latin typeface="Arial" pitchFamily="34" charset="0"/>
+              <a:cs typeface="Arial" pitchFamily="34" charset="0"/>
             </a:endParaRPr>
           </a:p>
           <a:p>
@@ -17745,15 +17919,7 @@
           <a:p>
             <a:r>
               <a:rPr lang="en-US" sz="2400" dirty="0" smtClean="0"/>
-              <a:t>D </a:t>
-            </a:r>
-            <a:r>
-              <a:rPr lang="en-US" sz="2400" dirty="0" smtClean="0"/>
-              <a:t>d</a:t>
-            </a:r>
-            <a:r>
-              <a:rPr lang="en-US" sz="2400" dirty="0" smtClean="0"/>
-              <a:t> = new D(Object Address. Method Name)</a:t>
+              <a:t>D d = new D(Object Address. Method Name)</a:t>
             </a:r>
           </a:p>
           <a:p>
